--- a/POCCFM.pptx
+++ b/POCCFM.pptx
@@ -5,10 +5,10 @@
     <p:sldMasterId id="2147483696" r:id="rId4"/>
   </p:sldMasterIdLst>
   <p:notesMasterIdLst>
-    <p:notesMasterId r:id="rId16"/>
+    <p:notesMasterId r:id="rId15"/>
   </p:notesMasterIdLst>
   <p:handoutMasterIdLst>
-    <p:handoutMasterId r:id="rId17"/>
+    <p:handoutMasterId r:id="rId16"/>
   </p:handoutMasterIdLst>
   <p:sldIdLst>
     <p:sldId id="306" r:id="rId5"/>
@@ -19,9 +19,8 @@
     <p:sldId id="317" r:id="rId10"/>
     <p:sldId id="307" r:id="rId11"/>
     <p:sldId id="321" r:id="rId12"/>
-    <p:sldId id="322" r:id="rId13"/>
-    <p:sldId id="323" r:id="rId14"/>
-    <p:sldId id="316" r:id="rId15"/>
+    <p:sldId id="323" r:id="rId13"/>
+    <p:sldId id="316" r:id="rId14"/>
   </p:sldIdLst>
   <p:sldSz cx="12192000" cy="6858000"/>
   <p:notesSz cx="6858000" cy="9144000"/>
@@ -856,91 +855,6 @@
     </p:spTree>
     <p:extLst>
       <p:ext uri="{BB962C8B-B14F-4D97-AF65-F5344CB8AC3E}">
-        <p14:creationId xmlns:p14="http://schemas.microsoft.com/office/powerpoint/2010/main" val="2626916817"/>
-      </p:ext>
-    </p:extLst>
-  </p:cSld>
-  <p:clrMapOvr>
-    <a:masterClrMapping/>
-  </p:clrMapOvr>
-</p:notes>
-</file>
-
-<file path=ppt/notesSlides/notesSlide11.xml><?xml version="1.0" encoding="utf-8"?>
-<p:notes xmlns:a="http://schemas.openxmlformats.org/drawingml/2006/main" xmlns:r="http://schemas.openxmlformats.org/officeDocument/2006/relationships" xmlns:p="http://schemas.openxmlformats.org/presentationml/2006/main">
-  <p:cSld>
-    <p:spTree>
-      <p:nvGrpSpPr>
-        <p:cNvPr id="1" name=""/>
-        <p:cNvGrpSpPr/>
-        <p:nvPr/>
-      </p:nvGrpSpPr>
-      <p:grpSpPr>
-        <a:xfrm>
-          <a:off x="0" y="0"/>
-          <a:ext cx="0" cy="0"/>
-          <a:chOff x="0" y="0"/>
-          <a:chExt cx="0" cy="0"/>
-        </a:xfrm>
-      </p:grpSpPr>
-      <p:sp>
-        <p:nvSpPr>
-          <p:cNvPr id="2" name="Espaço Reservado para Imagem de Slide 1"/>
-          <p:cNvSpPr>
-            <a:spLocks noGrp="1" noRot="1" noChangeAspect="1"/>
-          </p:cNvSpPr>
-          <p:nvPr>
-            <p:ph type="sldImg"/>
-          </p:nvPr>
-        </p:nvSpPr>
-        <p:spPr/>
-      </p:sp>
-      <p:sp>
-        <p:nvSpPr>
-          <p:cNvPr id="3" name="Espaço Reservado para Anotações 2"/>
-          <p:cNvSpPr>
-            <a:spLocks noGrp="1"/>
-          </p:cNvSpPr>
-          <p:nvPr>
-            <p:ph type="body" idx="1"/>
-          </p:nvPr>
-        </p:nvSpPr>
-        <p:spPr/>
-        <p:txBody>
-          <a:bodyPr/>
-          <a:lstStyle/>
-          <a:p>
-            <a:endParaRPr lang="pt-BR"/>
-          </a:p>
-        </p:txBody>
-      </p:sp>
-      <p:sp>
-        <p:nvSpPr>
-          <p:cNvPr id="4" name="Espaço Reservado para Número de Slide 3"/>
-          <p:cNvSpPr>
-            <a:spLocks noGrp="1"/>
-          </p:cNvSpPr>
-          <p:nvPr>
-            <p:ph type="sldNum" sz="quarter" idx="5"/>
-          </p:nvPr>
-        </p:nvSpPr>
-        <p:spPr/>
-        <p:txBody>
-          <a:bodyPr/>
-          <a:lstStyle/>
-          <a:p>
-            <a:pPr rtl="0"/>
-            <a:fld id="{D5939589-3E79-4C82-AA4A-FE78234FAA59}" type="slidenum">
-              <a:rPr lang="pt-BR" smtClean="0"/>
-              <a:t>11</a:t>
-            </a:fld>
-            <a:endParaRPr lang="pt-BR"/>
-          </a:p>
-        </p:txBody>
-      </p:sp>
-    </p:spTree>
-    <p:extLst>
-      <p:ext uri="{BB962C8B-B14F-4D97-AF65-F5344CB8AC3E}">
         <p14:creationId xmlns:p14="http://schemas.microsoft.com/office/powerpoint/2010/main" val="3276153603"/>
       </p:ext>
     </p:extLst>
@@ -1621,7 +1535,7 @@
     </p:spTree>
     <p:extLst>
       <p:ext uri="{BB962C8B-B14F-4D97-AF65-F5344CB8AC3E}">
-        <p14:creationId xmlns:p14="http://schemas.microsoft.com/office/powerpoint/2010/main" val="2234716142"/>
+        <p14:creationId xmlns:p14="http://schemas.microsoft.com/office/powerpoint/2010/main" val="2626916817"/>
       </p:ext>
     </p:extLst>
   </p:cSld>
@@ -12636,403 +12550,6 @@
                 </a:solidFill>
                 <a:latin typeface="Abadi" panose="020B0604020202020204" pitchFamily="34" charset="0"/>
               </a:rPr>
-              <a:t>Medidas PowerBI</a:t>
-            </a:r>
-          </a:p>
-        </p:txBody>
-      </p:sp>
-      <p:pic>
-        <p:nvPicPr>
-          <p:cNvPr id="5" name="Imagem 4">
-            <a:extLst>
-              <a:ext uri="{FF2B5EF4-FFF2-40B4-BE49-F238E27FC236}">
-                <a16:creationId xmlns:a16="http://schemas.microsoft.com/office/drawing/2014/main" id="{DE290E0B-D35D-43A2-4253-9AD0C945402C}"/>
-              </a:ext>
-            </a:extLst>
-          </p:cNvPr>
-          <p:cNvPicPr>
-            <a:picLocks noChangeAspect="1"/>
-          </p:cNvPicPr>
-          <p:nvPr/>
-        </p:nvPicPr>
-        <p:blipFill>
-          <a:blip r:embed="rId3"/>
-          <a:stretch>
-            <a:fillRect/>
-          </a:stretch>
-        </p:blipFill>
-        <p:spPr>
-          <a:xfrm>
-            <a:off x="269874" y="1753108"/>
-            <a:ext cx="3267075" cy="2286000"/>
-          </a:xfrm>
-          <a:prstGeom prst="rect">
-            <a:avLst/>
-          </a:prstGeom>
-        </p:spPr>
-      </p:pic>
-      <p:pic>
-        <p:nvPicPr>
-          <p:cNvPr id="9" name="Imagem 8">
-            <a:extLst>
-              <a:ext uri="{FF2B5EF4-FFF2-40B4-BE49-F238E27FC236}">
-                <a16:creationId xmlns:a16="http://schemas.microsoft.com/office/drawing/2014/main" id="{C36D0FA5-BD4F-409C-EEEF-E1412BCA3859}"/>
-              </a:ext>
-            </a:extLst>
-          </p:cNvPr>
-          <p:cNvPicPr>
-            <a:picLocks noChangeAspect="1"/>
-          </p:cNvPicPr>
-          <p:nvPr/>
-        </p:nvPicPr>
-        <p:blipFill>
-          <a:blip r:embed="rId4"/>
-          <a:stretch>
-            <a:fillRect/>
-          </a:stretch>
-        </p:blipFill>
-        <p:spPr>
-          <a:xfrm>
-            <a:off x="3536949" y="3279775"/>
-            <a:ext cx="7013575" cy="2337858"/>
-          </a:xfrm>
-          <a:prstGeom prst="rect">
-            <a:avLst/>
-          </a:prstGeom>
-        </p:spPr>
-      </p:pic>
-      <p:sp>
-        <p:nvSpPr>
-          <p:cNvPr id="11" name="Espaço Reservado para Rodapé 9">
-            <a:extLst>
-              <a:ext uri="{FF2B5EF4-FFF2-40B4-BE49-F238E27FC236}">
-                <a16:creationId xmlns:a16="http://schemas.microsoft.com/office/drawing/2014/main" id="{7D15C166-2957-0A0C-142C-621E7754DECA}"/>
-              </a:ext>
-            </a:extLst>
-          </p:cNvPr>
-          <p:cNvSpPr txBox="1">
-            <a:spLocks/>
-          </p:cNvSpPr>
-          <p:nvPr/>
-        </p:nvSpPr>
-        <p:spPr>
-          <a:xfrm>
-            <a:off x="3536949" y="2766758"/>
-            <a:ext cx="2803526" cy="365125"/>
-          </a:xfrm>
-          <a:prstGeom prst="rect">
-            <a:avLst/>
-          </a:prstGeom>
-        </p:spPr>
-        <p:txBody>
-          <a:bodyPr vert="horz" lIns="91440" tIns="45720" rIns="91440" bIns="45720" rtlCol="0" anchor="ctr"/>
-          <a:lstStyle>
-            <a:defPPr rtl="0">
-              <a:defRPr lang="pt-br"/>
-            </a:defPPr>
-            <a:lvl1pPr marL="0" algn="ctr" defTabSz="914400" rtl="0" eaLnBrk="1" latinLnBrk="0" hangingPunct="1">
-              <a:defRPr sz="1200" b="1" i="0" kern="1200" cap="all" spc="100" baseline="0">
-                <a:solidFill>
-                  <a:schemeClr val="accent2"/>
-                </a:solidFill>
-                <a:latin typeface="+mn-lt"/>
-                <a:ea typeface="+mn-ea"/>
-                <a:cs typeface="+mn-cs"/>
-              </a:defRPr>
-            </a:lvl1pPr>
-            <a:lvl2pPr marL="457200" algn="l" defTabSz="914400" rtl="0" eaLnBrk="1" latinLnBrk="0" hangingPunct="1">
-              <a:defRPr sz="1800" kern="1200">
-                <a:solidFill>
-                  <a:schemeClr val="tx1"/>
-                </a:solidFill>
-                <a:latin typeface="+mn-lt"/>
-                <a:ea typeface="+mn-ea"/>
-                <a:cs typeface="+mn-cs"/>
-              </a:defRPr>
-            </a:lvl2pPr>
-            <a:lvl3pPr marL="914400" algn="l" defTabSz="914400" rtl="0" eaLnBrk="1" latinLnBrk="0" hangingPunct="1">
-              <a:defRPr sz="1800" kern="1200">
-                <a:solidFill>
-                  <a:schemeClr val="tx1"/>
-                </a:solidFill>
-                <a:latin typeface="+mn-lt"/>
-                <a:ea typeface="+mn-ea"/>
-                <a:cs typeface="+mn-cs"/>
-              </a:defRPr>
-            </a:lvl3pPr>
-            <a:lvl4pPr marL="1371600" algn="l" defTabSz="914400" rtl="0" eaLnBrk="1" latinLnBrk="0" hangingPunct="1">
-              <a:defRPr sz="1800" kern="1200">
-                <a:solidFill>
-                  <a:schemeClr val="tx1"/>
-                </a:solidFill>
-                <a:latin typeface="+mn-lt"/>
-                <a:ea typeface="+mn-ea"/>
-                <a:cs typeface="+mn-cs"/>
-              </a:defRPr>
-            </a:lvl4pPr>
-            <a:lvl5pPr marL="1828800" algn="l" defTabSz="914400" rtl="0" eaLnBrk="1" latinLnBrk="0" hangingPunct="1">
-              <a:defRPr sz="1800" kern="1200">
-                <a:solidFill>
-                  <a:schemeClr val="tx1"/>
-                </a:solidFill>
-                <a:latin typeface="+mn-lt"/>
-                <a:ea typeface="+mn-ea"/>
-                <a:cs typeface="+mn-cs"/>
-              </a:defRPr>
-            </a:lvl5pPr>
-            <a:lvl6pPr marL="2286000" algn="l" defTabSz="914400" rtl="0" eaLnBrk="1" latinLnBrk="0" hangingPunct="1">
-              <a:defRPr sz="1800" kern="1200">
-                <a:solidFill>
-                  <a:schemeClr val="tx1"/>
-                </a:solidFill>
-                <a:latin typeface="+mn-lt"/>
-                <a:ea typeface="+mn-ea"/>
-                <a:cs typeface="+mn-cs"/>
-              </a:defRPr>
-            </a:lvl6pPr>
-            <a:lvl7pPr marL="2743200" algn="l" defTabSz="914400" rtl="0" eaLnBrk="1" latinLnBrk="0" hangingPunct="1">
-              <a:defRPr sz="1800" kern="1200">
-                <a:solidFill>
-                  <a:schemeClr val="tx1"/>
-                </a:solidFill>
-                <a:latin typeface="+mn-lt"/>
-                <a:ea typeface="+mn-ea"/>
-                <a:cs typeface="+mn-cs"/>
-              </a:defRPr>
-            </a:lvl7pPr>
-            <a:lvl8pPr marL="3200400" algn="l" defTabSz="914400" rtl="0" eaLnBrk="1" latinLnBrk="0" hangingPunct="1">
-              <a:defRPr sz="1800" kern="1200">
-                <a:solidFill>
-                  <a:schemeClr val="tx1"/>
-                </a:solidFill>
-                <a:latin typeface="+mn-lt"/>
-                <a:ea typeface="+mn-ea"/>
-                <a:cs typeface="+mn-cs"/>
-              </a:defRPr>
-            </a:lvl8pPr>
-            <a:lvl9pPr marL="3657600" algn="l" defTabSz="914400" rtl="0" eaLnBrk="1" latinLnBrk="0" hangingPunct="1">
-              <a:defRPr sz="1800" kern="1200">
-                <a:solidFill>
-                  <a:schemeClr val="tx1"/>
-                </a:solidFill>
-                <a:latin typeface="+mn-lt"/>
-                <a:ea typeface="+mn-ea"/>
-                <a:cs typeface="+mn-cs"/>
-              </a:defRPr>
-            </a:lvl9pPr>
-          </a:lstStyle>
-          <a:p>
-            <a:pPr algn="l"/>
-            <a:r>
-              <a:rPr lang="pt-BR" sz="1800" b="0" cap="none" dirty="0">
-                <a:solidFill>
-                  <a:schemeClr val="tx1"/>
-                </a:solidFill>
-                <a:latin typeface="Abadi" panose="020B0604020202020204" pitchFamily="34" charset="0"/>
-              </a:rPr>
-              <a:t>Medidas PowerBI no Modelo</a:t>
-            </a:r>
-          </a:p>
-        </p:txBody>
-      </p:sp>
-    </p:spTree>
-    <p:extLst>
-      <p:ext uri="{BB962C8B-B14F-4D97-AF65-F5344CB8AC3E}">
-        <p14:creationId xmlns:p14="http://schemas.microsoft.com/office/powerpoint/2010/main" val="3084049471"/>
-      </p:ext>
-    </p:extLst>
-  </p:cSld>
-  <p:clrMapOvr>
-    <a:masterClrMapping/>
-  </p:clrMapOvr>
-</p:sld>
-</file>
-
-<file path=ppt/slides/slide11.xml><?xml version="1.0" encoding="utf-8"?>
-<p:sld xmlns:a="http://schemas.openxmlformats.org/drawingml/2006/main" xmlns:r="http://schemas.openxmlformats.org/officeDocument/2006/relationships" xmlns:p="http://schemas.openxmlformats.org/presentationml/2006/main">
-  <p:cSld>
-    <p:spTree>
-      <p:nvGrpSpPr>
-        <p:cNvPr id="1" name=""/>
-        <p:cNvGrpSpPr/>
-        <p:nvPr/>
-      </p:nvGrpSpPr>
-      <p:grpSpPr>
-        <a:xfrm>
-          <a:off x="0" y="0"/>
-          <a:ext cx="0" cy="0"/>
-          <a:chOff x="0" y="0"/>
-          <a:chExt cx="0" cy="0"/>
-        </a:xfrm>
-      </p:grpSpPr>
-      <p:sp>
-        <p:nvSpPr>
-          <p:cNvPr id="10" name="Espaço Reservado para Rodapé 9">
-            <a:extLst>
-              <a:ext uri="{FF2B5EF4-FFF2-40B4-BE49-F238E27FC236}">
-                <a16:creationId xmlns:a16="http://schemas.microsoft.com/office/drawing/2014/main" id="{A8C7C3A0-5E78-49C8-B8D4-F3DF62B2BC93}"/>
-              </a:ext>
-            </a:extLst>
-          </p:cNvPr>
-          <p:cNvSpPr>
-            <a:spLocks noGrp="1"/>
-          </p:cNvSpPr>
-          <p:nvPr>
-            <p:ph type="ftr" sz="quarter" idx="11"/>
-          </p:nvPr>
-        </p:nvSpPr>
-        <p:spPr>
-          <a:xfrm>
-            <a:off x="23811" y="431292"/>
-            <a:ext cx="2092325" cy="365125"/>
-          </a:xfrm>
-        </p:spPr>
-        <p:txBody>
-          <a:bodyPr rtlCol="0"/>
-          <a:lstStyle/>
-          <a:p>
-            <a:pPr algn="l" rtl="0"/>
-            <a:r>
-              <a:rPr lang="pt-BR" sz="2400" cap="none" dirty="0">
-                <a:solidFill>
-                  <a:schemeClr val="tx1"/>
-                </a:solidFill>
-                <a:latin typeface="Abadi" panose="020B0604020104020204" pitchFamily="34" charset="0"/>
-              </a:rPr>
-              <a:t>Ferramentas</a:t>
-            </a:r>
-          </a:p>
-        </p:txBody>
-      </p:sp>
-      <p:sp>
-        <p:nvSpPr>
-          <p:cNvPr id="19" name="Espaço Reservado para Rodapé 9">
-            <a:extLst>
-              <a:ext uri="{FF2B5EF4-FFF2-40B4-BE49-F238E27FC236}">
-                <a16:creationId xmlns:a16="http://schemas.microsoft.com/office/drawing/2014/main" id="{E9366F3A-2A9B-1DDE-D4FC-C7182EBC4D07}"/>
-              </a:ext>
-            </a:extLst>
-          </p:cNvPr>
-          <p:cNvSpPr txBox="1">
-            <a:spLocks/>
-          </p:cNvSpPr>
-          <p:nvPr/>
-        </p:nvSpPr>
-        <p:spPr>
-          <a:xfrm>
-            <a:off x="269874" y="1092200"/>
-            <a:ext cx="2803526" cy="365125"/>
-          </a:xfrm>
-          <a:prstGeom prst="rect">
-            <a:avLst/>
-          </a:prstGeom>
-        </p:spPr>
-        <p:txBody>
-          <a:bodyPr vert="horz" lIns="91440" tIns="45720" rIns="91440" bIns="45720" rtlCol="0" anchor="ctr"/>
-          <a:lstStyle>
-            <a:defPPr rtl="0">
-              <a:defRPr lang="pt-br"/>
-            </a:defPPr>
-            <a:lvl1pPr marL="0" algn="ctr" defTabSz="914400" rtl="0" eaLnBrk="1" latinLnBrk="0" hangingPunct="1">
-              <a:defRPr sz="1200" b="1" i="0" kern="1200" cap="all" spc="100" baseline="0">
-                <a:solidFill>
-                  <a:schemeClr val="accent2"/>
-                </a:solidFill>
-                <a:latin typeface="+mn-lt"/>
-                <a:ea typeface="+mn-ea"/>
-                <a:cs typeface="+mn-cs"/>
-              </a:defRPr>
-            </a:lvl1pPr>
-            <a:lvl2pPr marL="457200" algn="l" defTabSz="914400" rtl="0" eaLnBrk="1" latinLnBrk="0" hangingPunct="1">
-              <a:defRPr sz="1800" kern="1200">
-                <a:solidFill>
-                  <a:schemeClr val="tx1"/>
-                </a:solidFill>
-                <a:latin typeface="+mn-lt"/>
-                <a:ea typeface="+mn-ea"/>
-                <a:cs typeface="+mn-cs"/>
-              </a:defRPr>
-            </a:lvl2pPr>
-            <a:lvl3pPr marL="914400" algn="l" defTabSz="914400" rtl="0" eaLnBrk="1" latinLnBrk="0" hangingPunct="1">
-              <a:defRPr sz="1800" kern="1200">
-                <a:solidFill>
-                  <a:schemeClr val="tx1"/>
-                </a:solidFill>
-                <a:latin typeface="+mn-lt"/>
-                <a:ea typeface="+mn-ea"/>
-                <a:cs typeface="+mn-cs"/>
-              </a:defRPr>
-            </a:lvl3pPr>
-            <a:lvl4pPr marL="1371600" algn="l" defTabSz="914400" rtl="0" eaLnBrk="1" latinLnBrk="0" hangingPunct="1">
-              <a:defRPr sz="1800" kern="1200">
-                <a:solidFill>
-                  <a:schemeClr val="tx1"/>
-                </a:solidFill>
-                <a:latin typeface="+mn-lt"/>
-                <a:ea typeface="+mn-ea"/>
-                <a:cs typeface="+mn-cs"/>
-              </a:defRPr>
-            </a:lvl4pPr>
-            <a:lvl5pPr marL="1828800" algn="l" defTabSz="914400" rtl="0" eaLnBrk="1" latinLnBrk="0" hangingPunct="1">
-              <a:defRPr sz="1800" kern="1200">
-                <a:solidFill>
-                  <a:schemeClr val="tx1"/>
-                </a:solidFill>
-                <a:latin typeface="+mn-lt"/>
-                <a:ea typeface="+mn-ea"/>
-                <a:cs typeface="+mn-cs"/>
-              </a:defRPr>
-            </a:lvl5pPr>
-            <a:lvl6pPr marL="2286000" algn="l" defTabSz="914400" rtl="0" eaLnBrk="1" latinLnBrk="0" hangingPunct="1">
-              <a:defRPr sz="1800" kern="1200">
-                <a:solidFill>
-                  <a:schemeClr val="tx1"/>
-                </a:solidFill>
-                <a:latin typeface="+mn-lt"/>
-                <a:ea typeface="+mn-ea"/>
-                <a:cs typeface="+mn-cs"/>
-              </a:defRPr>
-            </a:lvl6pPr>
-            <a:lvl7pPr marL="2743200" algn="l" defTabSz="914400" rtl="0" eaLnBrk="1" latinLnBrk="0" hangingPunct="1">
-              <a:defRPr sz="1800" kern="1200">
-                <a:solidFill>
-                  <a:schemeClr val="tx1"/>
-                </a:solidFill>
-                <a:latin typeface="+mn-lt"/>
-                <a:ea typeface="+mn-ea"/>
-                <a:cs typeface="+mn-cs"/>
-              </a:defRPr>
-            </a:lvl7pPr>
-            <a:lvl8pPr marL="3200400" algn="l" defTabSz="914400" rtl="0" eaLnBrk="1" latinLnBrk="0" hangingPunct="1">
-              <a:defRPr sz="1800" kern="1200">
-                <a:solidFill>
-                  <a:schemeClr val="tx1"/>
-                </a:solidFill>
-                <a:latin typeface="+mn-lt"/>
-                <a:ea typeface="+mn-ea"/>
-                <a:cs typeface="+mn-cs"/>
-              </a:defRPr>
-            </a:lvl8pPr>
-            <a:lvl9pPr marL="3657600" algn="l" defTabSz="914400" rtl="0" eaLnBrk="1" latinLnBrk="0" hangingPunct="1">
-              <a:defRPr sz="1800" kern="1200">
-                <a:solidFill>
-                  <a:schemeClr val="tx1"/>
-                </a:solidFill>
-                <a:latin typeface="+mn-lt"/>
-                <a:ea typeface="+mn-ea"/>
-                <a:cs typeface="+mn-cs"/>
-              </a:defRPr>
-            </a:lvl9pPr>
-          </a:lstStyle>
-          <a:p>
-            <a:pPr algn="l"/>
-            <a:r>
-              <a:rPr lang="pt-BR" sz="1800" b="0" cap="none" dirty="0">
-                <a:solidFill>
-                  <a:schemeClr val="tx1"/>
-                </a:solidFill>
-                <a:latin typeface="Abadi" panose="020B0604020202020204" pitchFamily="34" charset="0"/>
-              </a:rPr>
               <a:t>Versionamento Código</a:t>
             </a:r>
           </a:p>
@@ -14925,7 +14442,7 @@
                 </a:solidFill>
                 <a:latin typeface="Abadi" panose="020B0604020104020204" pitchFamily="34" charset="0"/>
               </a:rPr>
-              <a:t>ETL - Auditória</a:t>
+              <a:t>ETL - Auditoria</a:t>
             </a:r>
           </a:p>
         </p:txBody>
@@ -15253,7 +14770,7 @@
                 </a:solidFill>
                 <a:latin typeface="Abadi" panose="020B0604020202020204" pitchFamily="34" charset="0"/>
               </a:rPr>
-              <a:t>Auditória</a:t>
+              <a:t>Auditoria</a:t>
             </a:r>
           </a:p>
         </p:txBody>
@@ -15821,7 +15338,7 @@
                 </a:solidFill>
                 <a:latin typeface="Abadi" panose="020B0604020104020204" pitchFamily="34" charset="0"/>
               </a:rPr>
-              <a:t>DAX</a:t>
+              <a:t>Ferramentas</a:t>
             </a:r>
           </a:p>
         </p:txBody>
@@ -15955,7 +15472,201 @@
                 </a:solidFill>
                 <a:latin typeface="Abadi" panose="020B0604020202020204" pitchFamily="34" charset="0"/>
               </a:rPr>
-              <a:t>Versionamento Código</a:t>
+              <a:t>Medidas PowerBI</a:t>
+            </a:r>
+          </a:p>
+        </p:txBody>
+      </p:sp>
+      <p:pic>
+        <p:nvPicPr>
+          <p:cNvPr id="5" name="Imagem 4">
+            <a:extLst>
+              <a:ext uri="{FF2B5EF4-FFF2-40B4-BE49-F238E27FC236}">
+                <a16:creationId xmlns:a16="http://schemas.microsoft.com/office/drawing/2014/main" id="{DE290E0B-D35D-43A2-4253-9AD0C945402C}"/>
+              </a:ext>
+            </a:extLst>
+          </p:cNvPr>
+          <p:cNvPicPr>
+            <a:picLocks noChangeAspect="1"/>
+          </p:cNvPicPr>
+          <p:nvPr/>
+        </p:nvPicPr>
+        <p:blipFill>
+          <a:blip r:embed="rId3"/>
+          <a:stretch>
+            <a:fillRect/>
+          </a:stretch>
+        </p:blipFill>
+        <p:spPr>
+          <a:xfrm>
+            <a:off x="269874" y="1753108"/>
+            <a:ext cx="3267075" cy="2286000"/>
+          </a:xfrm>
+          <a:prstGeom prst="rect">
+            <a:avLst/>
+          </a:prstGeom>
+        </p:spPr>
+      </p:pic>
+      <p:pic>
+        <p:nvPicPr>
+          <p:cNvPr id="9" name="Imagem 8">
+            <a:extLst>
+              <a:ext uri="{FF2B5EF4-FFF2-40B4-BE49-F238E27FC236}">
+                <a16:creationId xmlns:a16="http://schemas.microsoft.com/office/drawing/2014/main" id="{C36D0FA5-BD4F-409C-EEEF-E1412BCA3859}"/>
+              </a:ext>
+            </a:extLst>
+          </p:cNvPr>
+          <p:cNvPicPr>
+            <a:picLocks noChangeAspect="1"/>
+          </p:cNvPicPr>
+          <p:nvPr/>
+        </p:nvPicPr>
+        <p:blipFill>
+          <a:blip r:embed="rId4"/>
+          <a:stretch>
+            <a:fillRect/>
+          </a:stretch>
+        </p:blipFill>
+        <p:spPr>
+          <a:xfrm>
+            <a:off x="3536949" y="3279775"/>
+            <a:ext cx="7013575" cy="2337858"/>
+          </a:xfrm>
+          <a:prstGeom prst="rect">
+            <a:avLst/>
+          </a:prstGeom>
+        </p:spPr>
+      </p:pic>
+      <p:sp>
+        <p:nvSpPr>
+          <p:cNvPr id="11" name="Espaço Reservado para Rodapé 9">
+            <a:extLst>
+              <a:ext uri="{FF2B5EF4-FFF2-40B4-BE49-F238E27FC236}">
+                <a16:creationId xmlns:a16="http://schemas.microsoft.com/office/drawing/2014/main" id="{7D15C166-2957-0A0C-142C-621E7754DECA}"/>
+              </a:ext>
+            </a:extLst>
+          </p:cNvPr>
+          <p:cNvSpPr txBox="1">
+            <a:spLocks/>
+          </p:cNvSpPr>
+          <p:nvPr/>
+        </p:nvSpPr>
+        <p:spPr>
+          <a:xfrm>
+            <a:off x="3536949" y="2766758"/>
+            <a:ext cx="2803526" cy="365125"/>
+          </a:xfrm>
+          <a:prstGeom prst="rect">
+            <a:avLst/>
+          </a:prstGeom>
+        </p:spPr>
+        <p:txBody>
+          <a:bodyPr vert="horz" lIns="91440" tIns="45720" rIns="91440" bIns="45720" rtlCol="0" anchor="ctr"/>
+          <a:lstStyle>
+            <a:defPPr rtl="0">
+              <a:defRPr lang="pt-br"/>
+            </a:defPPr>
+            <a:lvl1pPr marL="0" algn="ctr" defTabSz="914400" rtl="0" eaLnBrk="1" latinLnBrk="0" hangingPunct="1">
+              <a:defRPr sz="1200" b="1" i="0" kern="1200" cap="all" spc="100" baseline="0">
+                <a:solidFill>
+                  <a:schemeClr val="accent2"/>
+                </a:solidFill>
+                <a:latin typeface="+mn-lt"/>
+                <a:ea typeface="+mn-ea"/>
+                <a:cs typeface="+mn-cs"/>
+              </a:defRPr>
+            </a:lvl1pPr>
+            <a:lvl2pPr marL="457200" algn="l" defTabSz="914400" rtl="0" eaLnBrk="1" latinLnBrk="0" hangingPunct="1">
+              <a:defRPr sz="1800" kern="1200">
+                <a:solidFill>
+                  <a:schemeClr val="tx1"/>
+                </a:solidFill>
+                <a:latin typeface="+mn-lt"/>
+                <a:ea typeface="+mn-ea"/>
+                <a:cs typeface="+mn-cs"/>
+              </a:defRPr>
+            </a:lvl2pPr>
+            <a:lvl3pPr marL="914400" algn="l" defTabSz="914400" rtl="0" eaLnBrk="1" latinLnBrk="0" hangingPunct="1">
+              <a:defRPr sz="1800" kern="1200">
+                <a:solidFill>
+                  <a:schemeClr val="tx1"/>
+                </a:solidFill>
+                <a:latin typeface="+mn-lt"/>
+                <a:ea typeface="+mn-ea"/>
+                <a:cs typeface="+mn-cs"/>
+              </a:defRPr>
+            </a:lvl3pPr>
+            <a:lvl4pPr marL="1371600" algn="l" defTabSz="914400" rtl="0" eaLnBrk="1" latinLnBrk="0" hangingPunct="1">
+              <a:defRPr sz="1800" kern="1200">
+                <a:solidFill>
+                  <a:schemeClr val="tx1"/>
+                </a:solidFill>
+                <a:latin typeface="+mn-lt"/>
+                <a:ea typeface="+mn-ea"/>
+                <a:cs typeface="+mn-cs"/>
+              </a:defRPr>
+            </a:lvl4pPr>
+            <a:lvl5pPr marL="1828800" algn="l" defTabSz="914400" rtl="0" eaLnBrk="1" latinLnBrk="0" hangingPunct="1">
+              <a:defRPr sz="1800" kern="1200">
+                <a:solidFill>
+                  <a:schemeClr val="tx1"/>
+                </a:solidFill>
+                <a:latin typeface="+mn-lt"/>
+                <a:ea typeface="+mn-ea"/>
+                <a:cs typeface="+mn-cs"/>
+              </a:defRPr>
+            </a:lvl5pPr>
+            <a:lvl6pPr marL="2286000" algn="l" defTabSz="914400" rtl="0" eaLnBrk="1" latinLnBrk="0" hangingPunct="1">
+              <a:defRPr sz="1800" kern="1200">
+                <a:solidFill>
+                  <a:schemeClr val="tx1"/>
+                </a:solidFill>
+                <a:latin typeface="+mn-lt"/>
+                <a:ea typeface="+mn-ea"/>
+                <a:cs typeface="+mn-cs"/>
+              </a:defRPr>
+            </a:lvl6pPr>
+            <a:lvl7pPr marL="2743200" algn="l" defTabSz="914400" rtl="0" eaLnBrk="1" latinLnBrk="0" hangingPunct="1">
+              <a:defRPr sz="1800" kern="1200">
+                <a:solidFill>
+                  <a:schemeClr val="tx1"/>
+                </a:solidFill>
+                <a:latin typeface="+mn-lt"/>
+                <a:ea typeface="+mn-ea"/>
+                <a:cs typeface="+mn-cs"/>
+              </a:defRPr>
+            </a:lvl7pPr>
+            <a:lvl8pPr marL="3200400" algn="l" defTabSz="914400" rtl="0" eaLnBrk="1" latinLnBrk="0" hangingPunct="1">
+              <a:defRPr sz="1800" kern="1200">
+                <a:solidFill>
+                  <a:schemeClr val="tx1"/>
+                </a:solidFill>
+                <a:latin typeface="+mn-lt"/>
+                <a:ea typeface="+mn-ea"/>
+                <a:cs typeface="+mn-cs"/>
+              </a:defRPr>
+            </a:lvl8pPr>
+            <a:lvl9pPr marL="3657600" algn="l" defTabSz="914400" rtl="0" eaLnBrk="1" latinLnBrk="0" hangingPunct="1">
+              <a:defRPr sz="1800" kern="1200">
+                <a:solidFill>
+                  <a:schemeClr val="tx1"/>
+                </a:solidFill>
+                <a:latin typeface="+mn-lt"/>
+                <a:ea typeface="+mn-ea"/>
+                <a:cs typeface="+mn-cs"/>
+              </a:defRPr>
+            </a:lvl9pPr>
+          </a:lstStyle>
+          <a:p>
+            <a:pPr algn="l"/>
+            <a:r>
+              <a:rPr lang="pt-BR" sz="1800" b="0" cap="none" dirty="0">
+                <a:solidFill>
+                  <a:schemeClr val="tx1"/>
+                </a:solidFill>
+                <a:latin typeface="Abadi" panose="020B0604020202020204" pitchFamily="34" charset="0"/>
+              </a:rPr>
+              <a:t>Medidas PowerBI no Modelo</a:t>
             </a:r>
           </a:p>
         </p:txBody>
@@ -15963,7 +15674,7 @@
     </p:spTree>
     <p:extLst>
       <p:ext uri="{BB962C8B-B14F-4D97-AF65-F5344CB8AC3E}">
-        <p14:creationId xmlns:p14="http://schemas.microsoft.com/office/powerpoint/2010/main" val="201057605"/>
+        <p14:creationId xmlns:p14="http://schemas.microsoft.com/office/powerpoint/2010/main" val="3084049471"/>
       </p:ext>
     </p:extLst>
   </p:cSld>
@@ -16765,15 +16476,6 @@
 </file>
 
 <file path=customXml/item1.xml><?xml version="1.0" encoding="utf-8"?>
-<?mso-contentType ?>
-<FormTemplates xmlns="http://schemas.microsoft.com/sharepoint/v3/contenttype/forms">
-  <Display>DocumentLibraryForm</Display>
-  <Edit>DocumentLibraryForm</Edit>
-  <New>DocumentLibraryForm</New>
-</FormTemplates>
-</file>
-
-<file path=customXml/item2.xml><?xml version="1.0" encoding="utf-8"?>
 <ct:contentTypeSchema xmlns:ct="http://schemas.microsoft.com/office/2006/metadata/contentType" xmlns:ma="http://schemas.microsoft.com/office/2006/metadata/properties/metaAttributes" ct:_="" ma:_="" ma:contentTypeName="Document" ma:contentTypeID="0x01010079F111ED35F8CC479449609E8A0923A6" ma:contentTypeVersion="12" ma:contentTypeDescription="Create a new document." ma:contentTypeScope="" ma:versionID="426e97fa315356fffbdcd9876fe988c2">
   <xsd:schema xmlns:xsd="http://www.w3.org/2001/XMLSchema" xmlns:xs="http://www.w3.org/2001/XMLSchema" xmlns:p="http://schemas.microsoft.com/office/2006/metadata/properties" xmlns:ns2="71af3243-3dd4-4a8d-8c0d-dd76da1f02a5" xmlns:ns3="16c05727-aa75-4e4a-9b5f-8a80a1165891" targetNamespace="http://schemas.microsoft.com/office/2006/metadata/properties" ma:root="true" ma:fieldsID="14b8f0def80e6d70ce3def20c90759ae" ns2:_="" ns3:_="">
     <xsd:import namespace="71af3243-3dd4-4a8d-8c0d-dd76da1f02a5"/>
@@ -16994,6 +16696,15 @@
 </ct:contentTypeSchema>
 </file>
 
+<file path=customXml/item2.xml><?xml version="1.0" encoding="utf-8"?>
+<?mso-contentType ?>
+<FormTemplates xmlns="http://schemas.microsoft.com/sharepoint/v3/contenttype/forms">
+  <Display>DocumentLibraryForm</Display>
+  <Edit>DocumentLibraryForm</Edit>
+  <New>DocumentLibraryForm</New>
+</FormTemplates>
+</file>
+
 <file path=customXml/item3.xml><?xml version="1.0" encoding="utf-8"?>
 <p:properties xmlns:p="http://schemas.microsoft.com/office/2006/metadata/properties" xmlns:xsi="http://www.w3.org/2001/XMLSchema-instance" xmlns:pc="http://schemas.microsoft.com/office/infopath/2007/PartnerControls">
   <documentManagement>
@@ -17004,14 +16715,6 @@
 </file>
 
 <file path=customXml/itemProps1.xml><?xml version="1.0" encoding="utf-8"?>
-<ds:datastoreItem xmlns:ds="http://schemas.openxmlformats.org/officeDocument/2006/customXml" ds:itemID="{3C8E00D1-8EA3-4E42-801D-0253E1EAFC21}">
-  <ds:schemaRefs>
-    <ds:schemaRef ds:uri="http://schemas.microsoft.com/sharepoint/v3/contenttype/forms"/>
-  </ds:schemaRefs>
-</ds:datastoreItem>
-</file>
-
-<file path=customXml/itemProps2.xml><?xml version="1.0" encoding="utf-8"?>
 <ds:datastoreItem xmlns:ds="http://schemas.openxmlformats.org/officeDocument/2006/customXml" ds:itemID="{ABC329F5-30EE-4BF7-AA2A-B837B51416B4}">
   <ds:schemaRefs>
     <ds:schemaRef ds:uri="http://schemas.microsoft.com/office/2006/metadata/contentType"/>
@@ -17030,6 +16733,14 @@
 </ds:datastoreItem>
 </file>
 
+<file path=customXml/itemProps2.xml><?xml version="1.0" encoding="utf-8"?>
+<ds:datastoreItem xmlns:ds="http://schemas.openxmlformats.org/officeDocument/2006/customXml" ds:itemID="{3C8E00D1-8EA3-4E42-801D-0253E1EAFC21}">
+  <ds:schemaRefs>
+    <ds:schemaRef ds:uri="http://schemas.microsoft.com/sharepoint/v3/contenttype/forms"/>
+  </ds:schemaRefs>
+</ds:datastoreItem>
+</file>
+
 <file path=customXml/itemProps3.xml><?xml version="1.0" encoding="utf-8"?>
 <ds:datastoreItem xmlns:ds="http://schemas.openxmlformats.org/officeDocument/2006/customXml" ds:itemID="{99919F73-B6C2-4A43-95E2-833EC48925FE}">
   <ds:schemaRefs>
